--- a/nhóm 19 - đề tài 2.pptx
+++ b/nhóm 19 - đề tài 2.pptx
@@ -111,6 +111,11 @@
       </a:defRPr>
     </a:lvl9pPr>
   </p:defaultTextStyle>
+  <p:extLst>
+    <p:ext uri="{EFAFB233-063F-42B5-8137-9DF3F51BA10A}">
+      <p15:sldGuideLst xmlns:p15="http://schemas.microsoft.com/office/powerpoint/2012/main"/>
+    </p:ext>
+  </p:extLst>
 </p:presentation>
 </file>
 
@@ -245,7 +250,7 @@
           <a:p>
             <a:fld id="{39C6C646-1959-4971-B3B3-CF2EE29FBC78}" type="datetimeFigureOut">
               <a:rPr lang="en-US" smtClean="0"/>
-              <a:t>12/2/2019</a:t>
+              <a:t>12/3/2019</a:t>
             </a:fld>
             <a:endParaRPr lang="en-US"/>
           </a:p>
@@ -415,7 +420,7 @@
           <a:p>
             <a:fld id="{39C6C646-1959-4971-B3B3-CF2EE29FBC78}" type="datetimeFigureOut">
               <a:rPr lang="en-US" smtClean="0"/>
-              <a:t>12/2/2019</a:t>
+              <a:t>12/3/2019</a:t>
             </a:fld>
             <a:endParaRPr lang="en-US"/>
           </a:p>
@@ -595,7 +600,7 @@
           <a:p>
             <a:fld id="{39C6C646-1959-4971-B3B3-CF2EE29FBC78}" type="datetimeFigureOut">
               <a:rPr lang="en-US" smtClean="0"/>
-              <a:t>12/2/2019</a:t>
+              <a:t>12/3/2019</a:t>
             </a:fld>
             <a:endParaRPr lang="en-US"/>
           </a:p>
@@ -765,7 +770,7 @@
           <a:p>
             <a:fld id="{39C6C646-1959-4971-B3B3-CF2EE29FBC78}" type="datetimeFigureOut">
               <a:rPr lang="en-US" smtClean="0"/>
-              <a:t>12/2/2019</a:t>
+              <a:t>12/3/2019</a:t>
             </a:fld>
             <a:endParaRPr lang="en-US"/>
           </a:p>
@@ -1011,7 +1016,7 @@
           <a:p>
             <a:fld id="{39C6C646-1959-4971-B3B3-CF2EE29FBC78}" type="datetimeFigureOut">
               <a:rPr lang="en-US" smtClean="0"/>
-              <a:t>12/2/2019</a:t>
+              <a:t>12/3/2019</a:t>
             </a:fld>
             <a:endParaRPr lang="en-US"/>
           </a:p>
@@ -1243,7 +1248,7 @@
           <a:p>
             <a:fld id="{39C6C646-1959-4971-B3B3-CF2EE29FBC78}" type="datetimeFigureOut">
               <a:rPr lang="en-US" smtClean="0"/>
-              <a:t>12/2/2019</a:t>
+              <a:t>12/3/2019</a:t>
             </a:fld>
             <a:endParaRPr lang="en-US"/>
           </a:p>
@@ -1610,7 +1615,7 @@
           <a:p>
             <a:fld id="{39C6C646-1959-4971-B3B3-CF2EE29FBC78}" type="datetimeFigureOut">
               <a:rPr lang="en-US" smtClean="0"/>
-              <a:t>12/2/2019</a:t>
+              <a:t>12/3/2019</a:t>
             </a:fld>
             <a:endParaRPr lang="en-US"/>
           </a:p>
@@ -1728,7 +1733,7 @@
           <a:p>
             <a:fld id="{39C6C646-1959-4971-B3B3-CF2EE29FBC78}" type="datetimeFigureOut">
               <a:rPr lang="en-US" smtClean="0"/>
-              <a:t>12/2/2019</a:t>
+              <a:t>12/3/2019</a:t>
             </a:fld>
             <a:endParaRPr lang="en-US"/>
           </a:p>
@@ -1823,7 +1828,7 @@
           <a:p>
             <a:fld id="{39C6C646-1959-4971-B3B3-CF2EE29FBC78}" type="datetimeFigureOut">
               <a:rPr lang="en-US" smtClean="0"/>
-              <a:t>12/2/2019</a:t>
+              <a:t>12/3/2019</a:t>
             </a:fld>
             <a:endParaRPr lang="en-US"/>
           </a:p>
@@ -2100,7 +2105,7 @@
           <a:p>
             <a:fld id="{39C6C646-1959-4971-B3B3-CF2EE29FBC78}" type="datetimeFigureOut">
               <a:rPr lang="en-US" smtClean="0"/>
-              <a:t>12/2/2019</a:t>
+              <a:t>12/3/2019</a:t>
             </a:fld>
             <a:endParaRPr lang="en-US"/>
           </a:p>
@@ -2353,7 +2358,7 @@
           <a:p>
             <a:fld id="{39C6C646-1959-4971-B3B3-CF2EE29FBC78}" type="datetimeFigureOut">
               <a:rPr lang="en-US" smtClean="0"/>
-              <a:t>12/2/2019</a:t>
+              <a:t>12/3/2019</a:t>
             </a:fld>
             <a:endParaRPr lang="en-US"/>
           </a:p>
@@ -2566,7 +2571,7 @@
           <a:p>
             <a:fld id="{39C6C646-1959-4971-B3B3-CF2EE29FBC78}" type="datetimeFigureOut">
               <a:rPr lang="en-US" smtClean="0"/>
-              <a:t>12/2/2019</a:t>
+              <a:t>12/3/2019</a:t>
             </a:fld>
             <a:endParaRPr lang="en-US"/>
           </a:p>
@@ -3063,11 +3068,7 @@
           <a:p>
             <a:r>
               <a:rPr lang="en-US"/>
-              <a:t>Nguyễn </a:t>
-            </a:r>
-            <a:r>
-              <a:rPr lang="en-US"/>
-              <a:t>Trọng </a:t>
+              <a:t>Nguyễn Trọng </a:t>
             </a:r>
             <a:r>
               <a:rPr lang="en-US" smtClean="0"/>
@@ -3836,7 +3837,11 @@
           <a:p>
             <a:r>
               <a:rPr lang="en-US" smtClean="0"/>
-              <a:t>Dense x 2</a:t>
+              <a:t>Dense x </a:t>
+            </a:r>
+            <a:r>
+              <a:rPr lang="en-US" smtClean="0"/>
+              <a:t>3</a:t>
             </a:r>
             <a:endParaRPr lang="en-US"/>
           </a:p>
@@ -3866,7 +3871,7 @@
           <a:p>
             <a:r>
               <a:rPr lang="en-US" smtClean="0"/>
-              <a:t>Sigmoid (kết quả)</a:t>
+              <a:t>kết quả (Sigmoid)</a:t>
             </a:r>
             <a:endParaRPr lang="en-US"/>
           </a:p>
@@ -5848,7 +5853,6 @@
               <a:rPr lang="en-US" smtClean="0"/>
               <a:t>	array gồm index của các từ loại trong câu 2</a:t>
             </a:r>
-            <a:endParaRPr lang="en-US" smtClean="0"/>
           </a:p>
           <a:p>
             <a:endParaRPr lang="en-US"/>
@@ -5862,11 +5866,7 @@
           <a:p>
             <a:r>
               <a:rPr lang="en-US" smtClean="0"/>
-              <a:t>-</a:t>
-            </a:r>
-            <a:r>
-              <a:rPr lang="en-US" smtClean="0"/>
-              <a:t>công đoạn tách từ và lấy từ loại được thực hiện bằng một công cụ khác</a:t>
+              <a:t>-công đoạn tách từ và lấy từ loại được thực hiện bằng một công cụ khác</a:t>
             </a:r>
           </a:p>
           <a:p>
